--- a/ui/ui.pptx
+++ b/ui/ui.pptx
@@ -104,6 +104,22 @@
       </a:defRPr>
     </a:lvl9pPr>
   </p:defaultTextStyle>
+  <p:extLst>
+    <p:ext uri="{EFAFB233-063F-42B5-8137-9DF3F51BA10A}">
+      <p15:sldGuideLst xmlns:p15="http://schemas.microsoft.com/office/powerpoint/2012/main">
+        <p15:guide id="1" orient="horz" pos="1620">
+          <p15:clr>
+            <a:srgbClr val="A4A3A4"/>
+          </p15:clr>
+        </p15:guide>
+        <p15:guide id="2" pos="2880">
+          <p15:clr>
+            <a:srgbClr val="A4A3A4"/>
+          </p15:clr>
+        </p15:guide>
+      </p15:sldGuideLst>
+    </p:ext>
+  </p:extLst>
 </p:presentation>
 </file>
 
@@ -145,10 +161,9 @@
           <a:lstStyle/>
           <a:p>
             <a:r>
-              <a:rPr lang="en-US" smtClean="0"/>
+              <a:rPr lang="en-US"/>
               <a:t>Click to edit Master title style</a:t>
             </a:r>
-            <a:endParaRPr lang="en-US"/>
           </a:p>
         </p:txBody>
       </p:sp>
@@ -264,10 +279,9 @@
           </a:lstStyle>
           <a:p>
             <a:r>
-              <a:rPr lang="en-US" smtClean="0"/>
+              <a:rPr lang="en-US"/>
               <a:t>Click to edit Master subtitle style</a:t>
             </a:r>
-            <a:endParaRPr lang="en-US"/>
           </a:p>
         </p:txBody>
       </p:sp>
@@ -289,7 +303,7 @@
             <a:fld id="{463CF434-B0FF-4393-B7E8-58C0ADF8A7BF}" type="datetimeFigureOut">
               <a:rPr lang="en-US" smtClean="0"/>
               <a:pPr/>
-              <a:t>1/18/2021</a:t>
+              <a:t>31-Jan-21</a:t>
             </a:fld>
             <a:endParaRPr lang="en-US"/>
           </a:p>
@@ -379,10 +393,9 @@
           <a:lstStyle/>
           <a:p>
             <a:r>
-              <a:rPr lang="en-US" smtClean="0"/>
+              <a:rPr lang="en-US"/>
               <a:t>Click to edit Master title style</a:t>
             </a:r>
-            <a:endParaRPr lang="en-US"/>
           </a:p>
         </p:txBody>
       </p:sp>
@@ -403,38 +416,37 @@
           <a:p>
             <a:pPr lvl="0"/>
             <a:r>
-              <a:rPr lang="en-US" smtClean="0"/>
+              <a:rPr lang="en-US"/>
               <a:t>Click to edit Master text styles</a:t>
             </a:r>
           </a:p>
           <a:p>
             <a:pPr lvl="1"/>
             <a:r>
-              <a:rPr lang="en-US" smtClean="0"/>
+              <a:rPr lang="en-US"/>
               <a:t>Second level</a:t>
             </a:r>
           </a:p>
           <a:p>
             <a:pPr lvl="2"/>
             <a:r>
-              <a:rPr lang="en-US" smtClean="0"/>
+              <a:rPr lang="en-US"/>
               <a:t>Third level</a:t>
             </a:r>
           </a:p>
           <a:p>
             <a:pPr lvl="3"/>
             <a:r>
-              <a:rPr lang="en-US" smtClean="0"/>
+              <a:rPr lang="en-US"/>
               <a:t>Fourth level</a:t>
             </a:r>
           </a:p>
           <a:p>
             <a:pPr lvl="4"/>
             <a:r>
-              <a:rPr lang="en-US" smtClean="0"/>
+              <a:rPr lang="en-US"/>
               <a:t>Fifth level</a:t>
             </a:r>
-            <a:endParaRPr lang="en-US"/>
           </a:p>
         </p:txBody>
       </p:sp>
@@ -456,7 +468,7 @@
             <a:fld id="{463CF434-B0FF-4393-B7E8-58C0ADF8A7BF}" type="datetimeFigureOut">
               <a:rPr lang="en-US" smtClean="0"/>
               <a:pPr/>
-              <a:t>1/18/2021</a:t>
+              <a:t>31-Jan-21</a:t>
             </a:fld>
             <a:endParaRPr lang="en-US"/>
           </a:p>
@@ -551,10 +563,9 @@
           <a:lstStyle/>
           <a:p>
             <a:r>
-              <a:rPr lang="en-US" smtClean="0"/>
+              <a:rPr lang="en-US"/>
               <a:t>Click to edit Master title style</a:t>
             </a:r>
-            <a:endParaRPr lang="en-US"/>
           </a:p>
         </p:txBody>
       </p:sp>
@@ -580,38 +591,37 @@
           <a:p>
             <a:pPr lvl="0"/>
             <a:r>
-              <a:rPr lang="en-US" smtClean="0"/>
+              <a:rPr lang="en-US"/>
               <a:t>Click to edit Master text styles</a:t>
             </a:r>
           </a:p>
           <a:p>
             <a:pPr lvl="1"/>
             <a:r>
-              <a:rPr lang="en-US" smtClean="0"/>
+              <a:rPr lang="en-US"/>
               <a:t>Second level</a:t>
             </a:r>
           </a:p>
           <a:p>
             <a:pPr lvl="2"/>
             <a:r>
-              <a:rPr lang="en-US" smtClean="0"/>
+              <a:rPr lang="en-US"/>
               <a:t>Third level</a:t>
             </a:r>
           </a:p>
           <a:p>
             <a:pPr lvl="3"/>
             <a:r>
-              <a:rPr lang="en-US" smtClean="0"/>
+              <a:rPr lang="en-US"/>
               <a:t>Fourth level</a:t>
             </a:r>
           </a:p>
           <a:p>
             <a:pPr lvl="4"/>
             <a:r>
-              <a:rPr lang="en-US" smtClean="0"/>
+              <a:rPr lang="en-US"/>
               <a:t>Fifth level</a:t>
             </a:r>
-            <a:endParaRPr lang="en-US"/>
           </a:p>
         </p:txBody>
       </p:sp>
@@ -633,7 +643,7 @@
             <a:fld id="{463CF434-B0FF-4393-B7E8-58C0ADF8A7BF}" type="datetimeFigureOut">
               <a:rPr lang="en-US" smtClean="0"/>
               <a:pPr/>
-              <a:t>1/18/2021</a:t>
+              <a:t>31-Jan-21</a:t>
             </a:fld>
             <a:endParaRPr lang="en-US"/>
           </a:p>
@@ -723,10 +733,9 @@
           <a:lstStyle/>
           <a:p>
             <a:r>
-              <a:rPr lang="en-US" smtClean="0"/>
+              <a:rPr lang="en-US"/>
               <a:t>Click to edit Master title style</a:t>
             </a:r>
-            <a:endParaRPr lang="en-US"/>
           </a:p>
         </p:txBody>
       </p:sp>
@@ -747,38 +756,37 @@
           <a:p>
             <a:pPr lvl="0"/>
             <a:r>
-              <a:rPr lang="en-US" smtClean="0"/>
+              <a:rPr lang="en-US"/>
               <a:t>Click to edit Master text styles</a:t>
             </a:r>
           </a:p>
           <a:p>
             <a:pPr lvl="1"/>
             <a:r>
-              <a:rPr lang="en-US" smtClean="0"/>
+              <a:rPr lang="en-US"/>
               <a:t>Second level</a:t>
             </a:r>
           </a:p>
           <a:p>
             <a:pPr lvl="2"/>
             <a:r>
-              <a:rPr lang="en-US" smtClean="0"/>
+              <a:rPr lang="en-US"/>
               <a:t>Third level</a:t>
             </a:r>
           </a:p>
           <a:p>
             <a:pPr lvl="3"/>
             <a:r>
-              <a:rPr lang="en-US" smtClean="0"/>
+              <a:rPr lang="en-US"/>
               <a:t>Fourth level</a:t>
             </a:r>
           </a:p>
           <a:p>
             <a:pPr lvl="4"/>
             <a:r>
-              <a:rPr lang="en-US" smtClean="0"/>
+              <a:rPr lang="en-US"/>
               <a:t>Fifth level</a:t>
             </a:r>
-            <a:endParaRPr lang="en-US"/>
           </a:p>
         </p:txBody>
       </p:sp>
@@ -800,7 +808,7 @@
             <a:fld id="{463CF434-B0FF-4393-B7E8-58C0ADF8A7BF}" type="datetimeFigureOut">
               <a:rPr lang="en-US" smtClean="0"/>
               <a:pPr/>
-              <a:t>1/18/2021</a:t>
+              <a:t>31-Jan-21</a:t>
             </a:fld>
             <a:endParaRPr lang="en-US"/>
           </a:p>
@@ -899,10 +907,9 @@
           </a:lstStyle>
           <a:p>
             <a:r>
-              <a:rPr lang="en-US" smtClean="0"/>
+              <a:rPr lang="en-US"/>
               <a:t>Click to edit Master title style</a:t>
             </a:r>
-            <a:endParaRPr lang="en-US"/>
           </a:p>
         </p:txBody>
       </p:sp>
@@ -1019,7 +1026,7 @@
           <a:p>
             <a:pPr lvl="0"/>
             <a:r>
-              <a:rPr lang="en-US" smtClean="0"/>
+              <a:rPr lang="en-US"/>
               <a:t>Click to edit Master text styles</a:t>
             </a:r>
           </a:p>
@@ -1043,7 +1050,7 @@
             <a:fld id="{463CF434-B0FF-4393-B7E8-58C0ADF8A7BF}" type="datetimeFigureOut">
               <a:rPr lang="en-US" smtClean="0"/>
               <a:pPr/>
-              <a:t>1/18/2021</a:t>
+              <a:t>31-Jan-21</a:t>
             </a:fld>
             <a:endParaRPr lang="en-US"/>
           </a:p>
@@ -1133,10 +1140,9 @@
           <a:lstStyle/>
           <a:p>
             <a:r>
-              <a:rPr lang="en-US" smtClean="0"/>
+              <a:rPr lang="en-US"/>
               <a:t>Click to edit Master title style</a:t>
             </a:r>
-            <a:endParaRPr lang="en-US"/>
           </a:p>
         </p:txBody>
       </p:sp>
@@ -1190,38 +1196,37 @@
           <a:p>
             <a:pPr lvl="0"/>
             <a:r>
-              <a:rPr lang="en-US" smtClean="0"/>
+              <a:rPr lang="en-US"/>
               <a:t>Click to edit Master text styles</a:t>
             </a:r>
           </a:p>
           <a:p>
             <a:pPr lvl="1"/>
             <a:r>
-              <a:rPr lang="en-US" smtClean="0"/>
+              <a:rPr lang="en-US"/>
               <a:t>Second level</a:t>
             </a:r>
           </a:p>
           <a:p>
             <a:pPr lvl="2"/>
             <a:r>
-              <a:rPr lang="en-US" smtClean="0"/>
+              <a:rPr lang="en-US"/>
               <a:t>Third level</a:t>
             </a:r>
           </a:p>
           <a:p>
             <a:pPr lvl="3"/>
             <a:r>
-              <a:rPr lang="en-US" smtClean="0"/>
+              <a:rPr lang="en-US"/>
               <a:t>Fourth level</a:t>
             </a:r>
           </a:p>
           <a:p>
             <a:pPr lvl="4"/>
             <a:r>
-              <a:rPr lang="en-US" smtClean="0"/>
+              <a:rPr lang="en-US"/>
               <a:t>Fifth level</a:t>
             </a:r>
-            <a:endParaRPr lang="en-US"/>
           </a:p>
         </p:txBody>
       </p:sp>
@@ -1275,38 +1280,37 @@
           <a:p>
             <a:pPr lvl="0"/>
             <a:r>
-              <a:rPr lang="en-US" smtClean="0"/>
+              <a:rPr lang="en-US"/>
               <a:t>Click to edit Master text styles</a:t>
             </a:r>
           </a:p>
           <a:p>
             <a:pPr lvl="1"/>
             <a:r>
-              <a:rPr lang="en-US" smtClean="0"/>
+              <a:rPr lang="en-US"/>
               <a:t>Second level</a:t>
             </a:r>
           </a:p>
           <a:p>
             <a:pPr lvl="2"/>
             <a:r>
-              <a:rPr lang="en-US" smtClean="0"/>
+              <a:rPr lang="en-US"/>
               <a:t>Third level</a:t>
             </a:r>
           </a:p>
           <a:p>
             <a:pPr lvl="3"/>
             <a:r>
-              <a:rPr lang="en-US" smtClean="0"/>
+              <a:rPr lang="en-US"/>
               <a:t>Fourth level</a:t>
             </a:r>
           </a:p>
           <a:p>
             <a:pPr lvl="4"/>
             <a:r>
-              <a:rPr lang="en-US" smtClean="0"/>
+              <a:rPr lang="en-US"/>
               <a:t>Fifth level</a:t>
             </a:r>
-            <a:endParaRPr lang="en-US"/>
           </a:p>
         </p:txBody>
       </p:sp>
@@ -1328,7 +1332,7 @@
             <a:fld id="{463CF434-B0FF-4393-B7E8-58C0ADF8A7BF}" type="datetimeFigureOut">
               <a:rPr lang="en-US" smtClean="0"/>
               <a:pPr/>
-              <a:t>1/18/2021</a:t>
+              <a:t>31-Jan-21</a:t>
             </a:fld>
             <a:endParaRPr lang="en-US"/>
           </a:p>
@@ -1427,10 +1431,9 @@
           </a:lstStyle>
           <a:p>
             <a:r>
-              <a:rPr lang="en-US" smtClean="0"/>
+              <a:rPr lang="en-US"/>
               <a:t>Click to edit Master title style</a:t>
             </a:r>
-            <a:endParaRPr lang="en-US"/>
           </a:p>
         </p:txBody>
       </p:sp>
@@ -1493,7 +1496,7 @@
           <a:p>
             <a:pPr lvl="0"/>
             <a:r>
-              <a:rPr lang="en-US" smtClean="0"/>
+              <a:rPr lang="en-US"/>
               <a:t>Click to edit Master text styles</a:t>
             </a:r>
           </a:p>
@@ -1549,38 +1552,37 @@
           <a:p>
             <a:pPr lvl="0"/>
             <a:r>
-              <a:rPr lang="en-US" smtClean="0"/>
+              <a:rPr lang="en-US"/>
               <a:t>Click to edit Master text styles</a:t>
             </a:r>
           </a:p>
           <a:p>
             <a:pPr lvl="1"/>
             <a:r>
-              <a:rPr lang="en-US" smtClean="0"/>
+              <a:rPr lang="en-US"/>
               <a:t>Second level</a:t>
             </a:r>
           </a:p>
           <a:p>
             <a:pPr lvl="2"/>
             <a:r>
-              <a:rPr lang="en-US" smtClean="0"/>
+              <a:rPr lang="en-US"/>
               <a:t>Third level</a:t>
             </a:r>
           </a:p>
           <a:p>
             <a:pPr lvl="3"/>
             <a:r>
-              <a:rPr lang="en-US" smtClean="0"/>
+              <a:rPr lang="en-US"/>
               <a:t>Fourth level</a:t>
             </a:r>
           </a:p>
           <a:p>
             <a:pPr lvl="4"/>
             <a:r>
-              <a:rPr lang="en-US" smtClean="0"/>
+              <a:rPr lang="en-US"/>
               <a:t>Fifth level</a:t>
             </a:r>
-            <a:endParaRPr lang="en-US"/>
           </a:p>
         </p:txBody>
       </p:sp>
@@ -1643,7 +1645,7 @@
           <a:p>
             <a:pPr lvl="0"/>
             <a:r>
-              <a:rPr lang="en-US" smtClean="0"/>
+              <a:rPr lang="en-US"/>
               <a:t>Click to edit Master text styles</a:t>
             </a:r>
           </a:p>
@@ -1699,38 +1701,37 @@
           <a:p>
             <a:pPr lvl="0"/>
             <a:r>
-              <a:rPr lang="en-US" smtClean="0"/>
+              <a:rPr lang="en-US"/>
               <a:t>Click to edit Master text styles</a:t>
             </a:r>
           </a:p>
           <a:p>
             <a:pPr lvl="1"/>
             <a:r>
-              <a:rPr lang="en-US" smtClean="0"/>
+              <a:rPr lang="en-US"/>
               <a:t>Second level</a:t>
             </a:r>
           </a:p>
           <a:p>
             <a:pPr lvl="2"/>
             <a:r>
-              <a:rPr lang="en-US" smtClean="0"/>
+              <a:rPr lang="en-US"/>
               <a:t>Third level</a:t>
             </a:r>
           </a:p>
           <a:p>
             <a:pPr lvl="3"/>
             <a:r>
-              <a:rPr lang="en-US" smtClean="0"/>
+              <a:rPr lang="en-US"/>
               <a:t>Fourth level</a:t>
             </a:r>
           </a:p>
           <a:p>
             <a:pPr lvl="4"/>
             <a:r>
-              <a:rPr lang="en-US" smtClean="0"/>
+              <a:rPr lang="en-US"/>
               <a:t>Fifth level</a:t>
             </a:r>
-            <a:endParaRPr lang="en-US"/>
           </a:p>
         </p:txBody>
       </p:sp>
@@ -1752,7 +1753,7 @@
             <a:fld id="{463CF434-B0FF-4393-B7E8-58C0ADF8A7BF}" type="datetimeFigureOut">
               <a:rPr lang="en-US" smtClean="0"/>
               <a:pPr/>
-              <a:t>1/18/2021</a:t>
+              <a:t>31-Jan-21</a:t>
             </a:fld>
             <a:endParaRPr lang="en-US"/>
           </a:p>
@@ -1842,10 +1843,9 @@
           <a:lstStyle/>
           <a:p>
             <a:r>
-              <a:rPr lang="en-US" smtClean="0"/>
+              <a:rPr lang="en-US"/>
               <a:t>Click to edit Master title style</a:t>
             </a:r>
-            <a:endParaRPr lang="en-US"/>
           </a:p>
         </p:txBody>
       </p:sp>
@@ -1867,7 +1867,7 @@
             <a:fld id="{463CF434-B0FF-4393-B7E8-58C0ADF8A7BF}" type="datetimeFigureOut">
               <a:rPr lang="en-US" smtClean="0"/>
               <a:pPr/>
-              <a:t>1/18/2021</a:t>
+              <a:t>31-Jan-21</a:t>
             </a:fld>
             <a:endParaRPr lang="en-US"/>
           </a:p>
@@ -1959,7 +1959,7 @@
             <a:fld id="{463CF434-B0FF-4393-B7E8-58C0ADF8A7BF}" type="datetimeFigureOut">
               <a:rPr lang="en-US" smtClean="0"/>
               <a:pPr/>
-              <a:t>1/18/2021</a:t>
+              <a:t>31-Jan-21</a:t>
             </a:fld>
             <a:endParaRPr lang="en-US"/>
           </a:p>
@@ -2058,10 +2058,9 @@
           </a:lstStyle>
           <a:p>
             <a:r>
-              <a:rPr lang="en-US" smtClean="0"/>
+              <a:rPr lang="en-US"/>
               <a:t>Click to edit Master title style</a:t>
             </a:r>
-            <a:endParaRPr lang="en-US"/>
           </a:p>
         </p:txBody>
       </p:sp>
@@ -2115,38 +2114,37 @@
           <a:p>
             <a:pPr lvl="0"/>
             <a:r>
-              <a:rPr lang="en-US" smtClean="0"/>
+              <a:rPr lang="en-US"/>
               <a:t>Click to edit Master text styles</a:t>
             </a:r>
           </a:p>
           <a:p>
             <a:pPr lvl="1"/>
             <a:r>
-              <a:rPr lang="en-US" smtClean="0"/>
+              <a:rPr lang="en-US"/>
               <a:t>Second level</a:t>
             </a:r>
           </a:p>
           <a:p>
             <a:pPr lvl="2"/>
             <a:r>
-              <a:rPr lang="en-US" smtClean="0"/>
+              <a:rPr lang="en-US"/>
               <a:t>Third level</a:t>
             </a:r>
           </a:p>
           <a:p>
             <a:pPr lvl="3"/>
             <a:r>
-              <a:rPr lang="en-US" smtClean="0"/>
+              <a:rPr lang="en-US"/>
               <a:t>Fourth level</a:t>
             </a:r>
           </a:p>
           <a:p>
             <a:pPr lvl="4"/>
             <a:r>
-              <a:rPr lang="en-US" smtClean="0"/>
+              <a:rPr lang="en-US"/>
               <a:t>Fifth level</a:t>
             </a:r>
-            <a:endParaRPr lang="en-US"/>
           </a:p>
         </p:txBody>
       </p:sp>
@@ -2209,7 +2207,7 @@
           <a:p>
             <a:pPr lvl="0"/>
             <a:r>
-              <a:rPr lang="en-US" smtClean="0"/>
+              <a:rPr lang="en-US"/>
               <a:t>Click to edit Master text styles</a:t>
             </a:r>
           </a:p>
@@ -2233,7 +2231,7 @@
             <a:fld id="{463CF434-B0FF-4393-B7E8-58C0ADF8A7BF}" type="datetimeFigureOut">
               <a:rPr lang="en-US" smtClean="0"/>
               <a:pPr/>
-              <a:t>1/18/2021</a:t>
+              <a:t>31-Jan-21</a:t>
             </a:fld>
             <a:endParaRPr lang="en-US"/>
           </a:p>
@@ -2332,10 +2330,9 @@
           </a:lstStyle>
           <a:p>
             <a:r>
-              <a:rPr lang="en-US" smtClean="0"/>
+              <a:rPr lang="en-US"/>
               <a:t>Click to edit Master title style</a:t>
             </a:r>
-            <a:endParaRPr lang="en-US"/>
           </a:p>
         </p:txBody>
       </p:sp>
@@ -2459,7 +2456,7 @@
           <a:p>
             <a:pPr lvl="0"/>
             <a:r>
-              <a:rPr lang="en-US" smtClean="0"/>
+              <a:rPr lang="en-US"/>
               <a:t>Click to edit Master text styles</a:t>
             </a:r>
           </a:p>
@@ -2483,7 +2480,7 @@
             <a:fld id="{463CF434-B0FF-4393-B7E8-58C0ADF8A7BF}" type="datetimeFigureOut">
               <a:rPr lang="en-US" smtClean="0"/>
               <a:pPr/>
-              <a:t>1/18/2021</a:t>
+              <a:t>31-Jan-21</a:t>
             </a:fld>
             <a:endParaRPr lang="en-US"/>
           </a:p>
@@ -2588,10 +2585,9 @@
           <a:lstStyle/>
           <a:p>
             <a:r>
-              <a:rPr lang="en-US" smtClean="0"/>
+              <a:rPr lang="en-US"/>
               <a:t>Click to edit Master title style</a:t>
             </a:r>
-            <a:endParaRPr lang="en-US"/>
           </a:p>
         </p:txBody>
       </p:sp>
@@ -2622,38 +2618,37 @@
           <a:p>
             <a:pPr lvl="0"/>
             <a:r>
-              <a:rPr lang="en-US" smtClean="0"/>
+              <a:rPr lang="en-US"/>
               <a:t>Click to edit Master text styles</a:t>
             </a:r>
           </a:p>
           <a:p>
             <a:pPr lvl="1"/>
             <a:r>
-              <a:rPr lang="en-US" smtClean="0"/>
+              <a:rPr lang="en-US"/>
               <a:t>Second level</a:t>
             </a:r>
           </a:p>
           <a:p>
             <a:pPr lvl="2"/>
             <a:r>
-              <a:rPr lang="en-US" smtClean="0"/>
+              <a:rPr lang="en-US"/>
               <a:t>Third level</a:t>
             </a:r>
           </a:p>
           <a:p>
             <a:pPr lvl="3"/>
             <a:r>
-              <a:rPr lang="en-US" smtClean="0"/>
+              <a:rPr lang="en-US"/>
               <a:t>Fourth level</a:t>
             </a:r>
           </a:p>
           <a:p>
             <a:pPr lvl="4"/>
             <a:r>
-              <a:rPr lang="en-US" smtClean="0"/>
+              <a:rPr lang="en-US"/>
               <a:t>Fifth level</a:t>
             </a:r>
-            <a:endParaRPr lang="en-US"/>
           </a:p>
         </p:txBody>
       </p:sp>
@@ -2693,7 +2688,7 @@
             <a:fld id="{463CF434-B0FF-4393-B7E8-58C0ADF8A7BF}" type="datetimeFigureOut">
               <a:rPr lang="en-US" smtClean="0"/>
               <a:pPr/>
-              <a:t>1/18/2021</a:t>
+              <a:t>31-Jan-21</a:t>
             </a:fld>
             <a:endParaRPr lang="en-US"/>
           </a:p>
@@ -3072,8 +3067,8 @@
         </p:nvSpPr>
         <p:spPr>
           <a:xfrm>
-            <a:off x="107504" y="123478"/>
-            <a:ext cx="1032014" cy="369332"/>
+            <a:off x="70992" y="51470"/>
+            <a:ext cx="1188640" cy="369332"/>
           </a:xfrm>
           <a:prstGeom prst="rect">
             <a:avLst/>
@@ -3109,13 +3104,13 @@
           </a:fontRef>
         </p:style>
         <p:txBody>
-          <a:bodyPr wrap="none" rtlCol="0">
+          <a:bodyPr wrap="square" rtlCol="0">
             <a:spAutoFit/>
           </a:bodyPr>
           <a:lstStyle/>
           <a:p>
             <a:r>
-              <a:rPr lang="en-GB" b="1" dirty="0" smtClean="0"/>
+              <a:rPr lang="en-GB" b="1" dirty="0"/>
               <a:t>AutoPlot</a:t>
             </a:r>
             <a:endParaRPr lang="en-US" b="1" dirty="0"/>
@@ -3128,10 +3123,16 @@
           <p:cNvGraphicFramePr>
             <a:graphicFrameLocks noGrp="1"/>
           </p:cNvGraphicFramePr>
-          <p:nvPr/>
+          <p:nvPr>
+            <p:extLst>
+              <p:ext uri="{D42A27DB-BD31-4B8C-83A1-F6EECF244321}">
+                <p14:modId xmlns:p14="http://schemas.microsoft.com/office/powerpoint/2010/main" val="556354160"/>
+              </p:ext>
+            </p:extLst>
+          </p:nvPr>
         </p:nvGraphicFramePr>
         <p:xfrm>
-          <a:off x="2" y="1131590"/>
+          <a:off x="2" y="773822"/>
           <a:ext cx="9144000" cy="333756"/>
         </p:xfrm>
         <a:graphic>
@@ -3141,12 +3142,48 @@
                 <a:tableStyleId>{5C22544A-7EE6-4342-B048-85BDC9FD1C3A}</a:tableStyleId>
               </a:tblPr>
               <a:tblGrid>
-                <a:gridCol w="1524000"/>
-                <a:gridCol w="1524000"/>
-                <a:gridCol w="1524000"/>
-                <a:gridCol w="1524000"/>
-                <a:gridCol w="1524000"/>
-                <a:gridCol w="1524000"/>
+                <a:gridCol w="1524000">
+                  <a:extLst>
+                    <a:ext uri="{9D8B030D-6E8A-4147-A177-3AD203B41FA5}">
+                      <a16:colId xmlns:a16="http://schemas.microsoft.com/office/drawing/2014/main" val="20000"/>
+                    </a:ext>
+                  </a:extLst>
+                </a:gridCol>
+                <a:gridCol w="1524000">
+                  <a:extLst>
+                    <a:ext uri="{9D8B030D-6E8A-4147-A177-3AD203B41FA5}">
+                      <a16:colId xmlns:a16="http://schemas.microsoft.com/office/drawing/2014/main" val="20001"/>
+                    </a:ext>
+                  </a:extLst>
+                </a:gridCol>
+                <a:gridCol w="1524000">
+                  <a:extLst>
+                    <a:ext uri="{9D8B030D-6E8A-4147-A177-3AD203B41FA5}">
+                      <a16:colId xmlns:a16="http://schemas.microsoft.com/office/drawing/2014/main" val="20002"/>
+                    </a:ext>
+                  </a:extLst>
+                </a:gridCol>
+                <a:gridCol w="1524000">
+                  <a:extLst>
+                    <a:ext uri="{9D8B030D-6E8A-4147-A177-3AD203B41FA5}">
+                      <a16:colId xmlns:a16="http://schemas.microsoft.com/office/drawing/2014/main" val="20003"/>
+                    </a:ext>
+                  </a:extLst>
+                </a:gridCol>
+                <a:gridCol w="1524000">
+                  <a:extLst>
+                    <a:ext uri="{9D8B030D-6E8A-4147-A177-3AD203B41FA5}">
+                      <a16:colId xmlns:a16="http://schemas.microsoft.com/office/drawing/2014/main" val="20004"/>
+                    </a:ext>
+                  </a:extLst>
+                </a:gridCol>
+                <a:gridCol w="1524000">
+                  <a:extLst>
+                    <a:ext uri="{9D8B030D-6E8A-4147-A177-3AD203B41FA5}">
+                      <a16:colId xmlns:a16="http://schemas.microsoft.com/office/drawing/2014/main" val="20005"/>
+                    </a:ext>
+                  </a:extLst>
+                </a:gridCol>
               </a:tblGrid>
               <a:tr h="333756">
                 <a:tc>
@@ -3156,7 +3193,7 @@
                     <a:p>
                       <a:pPr algn="ctr"/>
                       <a:r>
-                        <a:rPr lang="en-GB" sz="1400" dirty="0" smtClean="0"/>
+                        <a:rPr lang="en-GB" sz="1400" dirty="0"/>
                         <a:t>ASFE1</a:t>
                       </a:r>
                       <a:endParaRPr lang="en-US" sz="1400" dirty="0"/>
@@ -3184,7 +3221,7 @@
                       <a:prstDash val="solid"/>
                     </a:lnBlToTr>
                     <a:solidFill>
-                      <a:srgbClr val="92D050"/>
+                      <a:srgbClr val="33CC33"/>
                     </a:solidFill>
                   </a:tcPr>
                 </a:tc>
@@ -3195,7 +3232,7 @@
                     <a:p>
                       <a:pPr algn="ctr"/>
                       <a:r>
-                        <a:rPr lang="en-GB" sz="1400" dirty="0" smtClean="0"/>
+                        <a:rPr lang="en-GB" sz="1400" dirty="0"/>
                         <a:t>ASBE1</a:t>
                       </a:r>
                       <a:endParaRPr lang="en-US" sz="1400" dirty="0"/>
@@ -3223,7 +3260,7 @@
                       <a:prstDash val="solid"/>
                     </a:lnBlToTr>
                     <a:solidFill>
-                      <a:srgbClr val="92D050"/>
+                      <a:srgbClr val="33CC33"/>
                     </a:solidFill>
                   </a:tcPr>
                 </a:tc>
@@ -3234,7 +3271,7 @@
                     <a:p>
                       <a:pPr algn="ctr"/>
                       <a:r>
-                        <a:rPr lang="en-GB" sz="1400" dirty="0" smtClean="0"/>
+                        <a:rPr lang="en-GB" sz="1400" dirty="0"/>
                         <a:t>REML1</a:t>
                       </a:r>
                       <a:endParaRPr lang="en-US" sz="1400" dirty="0"/>
@@ -3262,9 +3299,7 @@
                       <a:prstDash val="solid"/>
                     </a:lnBlToTr>
                     <a:solidFill>
-                      <a:schemeClr val="accent3">
-                        <a:lumMod val="75000"/>
-                      </a:schemeClr>
+                      <a:srgbClr val="088231"/>
                     </a:solidFill>
                   </a:tcPr>
                 </a:tc>
@@ -3291,10 +3326,10 @@
                         <a:defRPr/>
                       </a:pPr>
                       <a:r>
-                        <a:rPr lang="en-GB" sz="1400" dirty="0" smtClean="0"/>
+                        <a:rPr lang="en-GB" sz="1400" dirty="0"/>
                         <a:t>REOX1</a:t>
                       </a:r>
-                      <a:endParaRPr lang="en-US" sz="1400" dirty="0" smtClean="0"/>
+                      <a:endParaRPr lang="en-US" sz="1400" dirty="0"/>
                     </a:p>
                   </a:txBody>
                   <a:tcPr marT="41148" marB="41148">
@@ -3319,7 +3354,7 @@
                       <a:prstDash val="solid"/>
                     </a:lnBlToTr>
                     <a:solidFill>
-                      <a:srgbClr val="92D050"/>
+                      <a:srgbClr val="33CC33"/>
                     </a:solidFill>
                   </a:tcPr>
                 </a:tc>
@@ -3330,7 +3365,7 @@
                     <a:p>
                       <a:pPr algn="ctr"/>
                       <a:r>
-                        <a:rPr lang="en-GB" sz="1400" dirty="0" smtClean="0"/>
+                        <a:rPr lang="en-GB" sz="1400" dirty="0"/>
                         <a:t>REPL1</a:t>
                       </a:r>
                       <a:endParaRPr lang="en-US" sz="1400" dirty="0"/>
@@ -3358,7 +3393,7 @@
                       <a:prstDash val="solid"/>
                     </a:lnBlToTr>
                     <a:solidFill>
-                      <a:srgbClr val="92D050"/>
+                      <a:srgbClr val="33CC33"/>
                     </a:solidFill>
                   </a:tcPr>
                 </a:tc>
@@ -3369,7 +3404,7 @@
                     <a:p>
                       <a:pPr algn="ctr"/>
                       <a:r>
-                        <a:rPr lang="en-GB" sz="1400" dirty="0" smtClean="0"/>
+                        <a:rPr lang="en-GB" sz="1400" dirty="0"/>
                         <a:t>RESP1</a:t>
                       </a:r>
                       <a:endParaRPr lang="en-US" sz="1400" dirty="0"/>
@@ -3397,10 +3432,15 @@
                       <a:prstDash val="solid"/>
                     </a:lnBlToTr>
                     <a:solidFill>
-                      <a:srgbClr val="92D050"/>
+                      <a:srgbClr val="33CC33"/>
                     </a:solidFill>
                   </a:tcPr>
                 </a:tc>
+                <a:extLst>
+                  <a:ext uri="{0D108BD9-81ED-4DB2-BD59-A6C34878D82A}">
+                    <a16:rowId xmlns:a16="http://schemas.microsoft.com/office/drawing/2014/main" val="10000"/>
+                  </a:ext>
+                </a:extLst>
               </a:tr>
             </a:tbl>
           </a:graphicData>
@@ -3414,7 +3454,7 @@
         </p:nvSpPr>
         <p:spPr>
           <a:xfrm rot="10800000">
-            <a:off x="1115617" y="1275607"/>
+            <a:off x="1115617" y="917839"/>
             <a:ext cx="72008" cy="41147"/>
           </a:xfrm>
           <a:prstGeom prst="triangle">
@@ -3462,8 +3502,8 @@
         </p:nvSpPr>
         <p:spPr>
           <a:xfrm>
-            <a:off x="107504" y="478218"/>
-            <a:ext cx="1080120" cy="241605"/>
+            <a:off x="-36512" y="420802"/>
+            <a:ext cx="1296144" cy="246221"/>
           </a:xfrm>
           <a:prstGeom prst="rect">
             <a:avLst/>
@@ -3478,7 +3518,7 @@
           <a:p>
             <a:pPr algn="ctr"/>
             <a:r>
-              <a:rPr lang="en-GB" sz="970" b="1" dirty="0" smtClean="0">
+              <a:rPr lang="en-GB" sz="1000" b="1" dirty="0">
                 <a:solidFill>
                   <a:schemeClr val="bg1">
                     <a:lumMod val="50000"/>
@@ -3486,9 +3526,9 @@
                 </a:solidFill>
                 <a:latin typeface="+mj-lt"/>
               </a:rPr>
-              <a:t>FAB QC Monitor</a:t>
-            </a:r>
-            <a:endParaRPr lang="en-US" sz="970" b="1" dirty="0">
+              <a:t>FAB QC Monitor |</a:t>
+            </a:r>
+            <a:endParaRPr lang="en-US" sz="1000" b="1" dirty="0">
               <a:solidFill>
                 <a:schemeClr val="bg1">
                   <a:lumMod val="50000"/>
@@ -3507,7 +3547,7 @@
         </p:nvSpPr>
         <p:spPr>
           <a:xfrm rot="10800000">
-            <a:off x="2627784" y="1275607"/>
+            <a:off x="2627784" y="917839"/>
             <a:ext cx="72008" cy="41147"/>
           </a:xfrm>
           <a:prstGeom prst="triangle">
@@ -3555,7 +3595,7 @@
         </p:nvSpPr>
         <p:spPr>
           <a:xfrm rot="10800000">
-            <a:off x="4211960" y="1275607"/>
+            <a:off x="4211960" y="917839"/>
             <a:ext cx="72008" cy="41147"/>
           </a:xfrm>
           <a:prstGeom prst="triangle">
@@ -3603,7 +3643,7 @@
         </p:nvSpPr>
         <p:spPr>
           <a:xfrm rot="10800000">
-            <a:off x="5724128" y="1275607"/>
+            <a:off x="5724128" y="917839"/>
             <a:ext cx="72008" cy="41147"/>
           </a:xfrm>
           <a:prstGeom prst="triangle">
@@ -3651,7 +3691,7 @@
         </p:nvSpPr>
         <p:spPr>
           <a:xfrm rot="10800000">
-            <a:off x="7236296" y="1275607"/>
+            <a:off x="7236296" y="917839"/>
             <a:ext cx="72008" cy="41147"/>
           </a:xfrm>
           <a:prstGeom prst="triangle">
@@ -3699,7 +3739,7 @@
         </p:nvSpPr>
         <p:spPr>
           <a:xfrm rot="10800000">
-            <a:off x="8748464" y="1275607"/>
+            <a:off x="8748464" y="917839"/>
             <a:ext cx="72008" cy="41147"/>
           </a:xfrm>
           <a:prstGeom prst="triangle">
@@ -3741,62 +3781,13 @@
       </p:sp>
       <p:sp>
         <p:nvSpPr>
-          <p:cNvPr id="13" name="TextBox 12"/>
-          <p:cNvSpPr txBox="1"/>
-          <p:nvPr/>
-        </p:nvSpPr>
-        <p:spPr>
-          <a:xfrm>
-            <a:off x="0" y="793036"/>
-            <a:ext cx="1763688" cy="338554"/>
-          </a:xfrm>
-          <a:prstGeom prst="rect">
-            <a:avLst/>
-          </a:prstGeom>
-          <a:solidFill>
-            <a:schemeClr val="accent1">
-              <a:lumMod val="75000"/>
-            </a:schemeClr>
-          </a:solidFill>
-        </p:spPr>
-        <p:txBody>
-          <a:bodyPr wrap="square" rtlCol="0">
-            <a:spAutoFit/>
-          </a:bodyPr>
-          <a:lstStyle/>
-          <a:p>
-            <a:pPr algn="ctr"/>
-            <a:r>
-              <a:rPr lang="en-GB" sz="1600" dirty="0" smtClean="0">
-                <a:solidFill>
-                  <a:schemeClr val="bg1">
-                    <a:lumMod val="95000"/>
-                  </a:schemeClr>
-                </a:solidFill>
-                <a:latin typeface="Arial Black" pitchFamily="34" charset="0"/>
-              </a:rPr>
-              <a:t>DRY ETCH  </a:t>
-            </a:r>
-            <a:endParaRPr lang="en-US" sz="1600" dirty="0">
-              <a:solidFill>
-                <a:schemeClr val="bg1">
-                  <a:lumMod val="95000"/>
-                </a:schemeClr>
-              </a:solidFill>
-              <a:latin typeface="Arial Black" pitchFamily="34" charset="0"/>
-            </a:endParaRPr>
-          </a:p>
-        </p:txBody>
-      </p:sp>
-      <p:sp>
-        <p:nvSpPr>
           <p:cNvPr id="14" name="Isosceles Triangle 13"/>
           <p:cNvSpPr/>
           <p:nvPr/>
         </p:nvSpPr>
         <p:spPr>
           <a:xfrm rot="10800000">
-            <a:off x="1619672" y="946427"/>
+            <a:off x="1079104" y="226347"/>
             <a:ext cx="72008" cy="41147"/>
           </a:xfrm>
           <a:prstGeom prst="triangle">
@@ -3853,8 +3844,8 @@
         </p:blipFill>
         <p:spPr bwMode="auto">
           <a:xfrm>
-            <a:off x="899592" y="1563638"/>
-            <a:ext cx="7161462" cy="3517377"/>
+            <a:off x="683568" y="1203598"/>
+            <a:ext cx="7916938" cy="3888432"/>
           </a:xfrm>
           <a:prstGeom prst="rect">
             <a:avLst/>
@@ -3868,10 +3859,16 @@
           <p:cNvGraphicFramePr>
             <a:graphicFrameLocks noGrp="1"/>
           </p:cNvGraphicFramePr>
-          <p:nvPr/>
+          <p:nvPr>
+            <p:extLst>
+              <p:ext uri="{D42A27DB-BD31-4B8C-83A1-F6EECF244321}">
+                <p14:modId xmlns:p14="http://schemas.microsoft.com/office/powerpoint/2010/main" val="413330447"/>
+              </p:ext>
+            </p:extLst>
+          </p:nvPr>
         </p:nvGraphicFramePr>
         <p:xfrm>
-          <a:off x="3347864" y="1458094"/>
+          <a:off x="3347864" y="1100326"/>
           <a:ext cx="1008112" cy="609600"/>
         </p:xfrm>
         <a:graphic>
@@ -3889,7 +3886,13 @@
                 <a:tableStyleId>{2D5ABB26-0587-4C30-8999-92F81FD0307C}</a:tableStyleId>
               </a:tblPr>
               <a:tblGrid>
-                <a:gridCol w="1008112"/>
+                <a:gridCol w="1008112">
+                  <a:extLst>
+                    <a:ext uri="{9D8B030D-6E8A-4147-A177-3AD203B41FA5}">
+                      <a16:colId xmlns:a16="http://schemas.microsoft.com/office/drawing/2014/main" val="20000"/>
+                    </a:ext>
+                  </a:extLst>
+                </a:gridCol>
               </a:tblGrid>
               <a:tr h="288032">
                 <a:tc>
@@ -3899,7 +3902,7 @@
                     <a:p>
                       <a:pPr algn="l"/>
                       <a:r>
-                        <a:rPr lang="en-GB" sz="1400" dirty="0" smtClean="0">
+                        <a:rPr lang="en-GB" sz="1400" dirty="0">
                           <a:solidFill>
                             <a:schemeClr val="bg1">
                               <a:lumMod val="95000"/>
@@ -3919,10 +3922,15 @@
                   </a:txBody>
                   <a:tcPr>
                     <a:solidFill>
-                      <a:srgbClr val="708B39"/>
+                      <a:srgbClr val="088231"/>
                     </a:solidFill>
                   </a:tcPr>
                 </a:tc>
+                <a:extLst>
+                  <a:ext uri="{0D108BD9-81ED-4DB2-BD59-A6C34878D82A}">
+                    <a16:rowId xmlns:a16="http://schemas.microsoft.com/office/drawing/2014/main" val="10000"/>
+                  </a:ext>
+                </a:extLst>
               </a:tr>
               <a:tr h="288032">
                 <a:tc>
@@ -3932,7 +3940,7 @@
                     <a:p>
                       <a:pPr algn="l"/>
                       <a:r>
-                        <a:rPr lang="en-GB" sz="1400" dirty="0" smtClean="0">
+                        <a:rPr lang="en-GB" sz="1400" dirty="0">
                           <a:solidFill>
                             <a:schemeClr val="bg1">
                               <a:lumMod val="95000"/>
@@ -3952,10 +3960,15 @@
                   </a:txBody>
                   <a:tcPr>
                     <a:solidFill>
-                      <a:srgbClr val="92D050"/>
+                      <a:srgbClr val="33CC33"/>
                     </a:solidFill>
                   </a:tcPr>
                 </a:tc>
+                <a:extLst>
+                  <a:ext uri="{0D108BD9-81ED-4DB2-BD59-A6C34878D82A}">
+                    <a16:rowId xmlns:a16="http://schemas.microsoft.com/office/drawing/2014/main" val="10001"/>
+                  </a:ext>
+                </a:extLst>
               </a:tr>
             </a:tbl>
           </a:graphicData>
@@ -3969,7 +3982,7 @@
         </p:nvSpPr>
         <p:spPr>
           <a:xfrm rot="5400000">
-            <a:off x="4009080" y="1576783"/>
+            <a:off x="4009080" y="1219015"/>
             <a:ext cx="72009" cy="45719"/>
           </a:xfrm>
           <a:prstGeom prst="triangle">
@@ -4017,7 +4030,7 @@
         </p:nvSpPr>
         <p:spPr>
           <a:xfrm rot="5400000">
-            <a:off x="3982791" y="1864815"/>
+            <a:off x="3982791" y="1507047"/>
             <a:ext cx="72009" cy="45719"/>
           </a:xfrm>
           <a:prstGeom prst="triangle">
@@ -4063,10 +4076,16 @@
           <p:cNvGraphicFramePr>
             <a:graphicFrameLocks noGrp="1"/>
           </p:cNvGraphicFramePr>
-          <p:nvPr/>
+          <p:nvPr>
+            <p:extLst>
+              <p:ext uri="{D42A27DB-BD31-4B8C-83A1-F6EECF244321}">
+                <p14:modId xmlns:p14="http://schemas.microsoft.com/office/powerpoint/2010/main" val="2346847085"/>
+              </p:ext>
+            </p:extLst>
+          </p:nvPr>
         </p:nvGraphicFramePr>
         <p:xfrm>
-          <a:off x="4283968" y="1419622"/>
+          <a:off x="4283968" y="1061854"/>
           <a:ext cx="1152128" cy="1005840"/>
         </p:xfrm>
         <a:graphic>
@@ -4083,7 +4102,13 @@
                 <a:tableStyleId>{2D5ABB26-0587-4C30-8999-92F81FD0307C}</a:tableStyleId>
               </a:tblPr>
               <a:tblGrid>
-                <a:gridCol w="1152128"/>
+                <a:gridCol w="1152128">
+                  <a:extLst>
+                    <a:ext uri="{9D8B030D-6E8A-4147-A177-3AD203B41FA5}">
+                      <a16:colId xmlns:a16="http://schemas.microsoft.com/office/drawing/2014/main" val="20000"/>
+                    </a:ext>
+                  </a:extLst>
+                </a:gridCol>
               </a:tblGrid>
               <a:tr h="240027">
                 <a:tc>
@@ -4092,7 +4117,7 @@
                     <a:lstStyle/>
                     <a:p>
                       <a:r>
-                        <a:rPr lang="en-GB" sz="1600" dirty="0" smtClean="0">
+                        <a:rPr lang="en-GB" sz="1600" dirty="0">
                           <a:solidFill>
                             <a:schemeClr val="bg1">
                               <a:lumMod val="95000"/>
@@ -4112,10 +4137,15 @@
                   </a:txBody>
                   <a:tcPr>
                     <a:solidFill>
-                      <a:srgbClr val="708B39"/>
+                      <a:srgbClr val="088231"/>
                     </a:solidFill>
                   </a:tcPr>
                 </a:tc>
+                <a:extLst>
+                  <a:ext uri="{0D108BD9-81ED-4DB2-BD59-A6C34878D82A}">
+                    <a16:rowId xmlns:a16="http://schemas.microsoft.com/office/drawing/2014/main" val="10000"/>
+                  </a:ext>
+                </a:extLst>
               </a:tr>
               <a:tr h="240027">
                 <a:tc>
@@ -4124,7 +4154,7 @@
                     <a:lstStyle/>
                     <a:p>
                       <a:r>
-                        <a:rPr lang="en-GB" sz="1600" dirty="0" smtClean="0">
+                        <a:rPr lang="en-GB" sz="1600" dirty="0">
                           <a:solidFill>
                             <a:schemeClr val="bg1">
                               <a:lumMod val="95000"/>
@@ -4144,10 +4174,15 @@
                   </a:txBody>
                   <a:tcPr>
                     <a:solidFill>
-                      <a:srgbClr val="92D050"/>
+                      <a:srgbClr val="33CC33"/>
                     </a:solidFill>
                   </a:tcPr>
                 </a:tc>
+                <a:extLst>
+                  <a:ext uri="{0D108BD9-81ED-4DB2-BD59-A6C34878D82A}">
+                    <a16:rowId xmlns:a16="http://schemas.microsoft.com/office/drawing/2014/main" val="10001"/>
+                  </a:ext>
+                </a:extLst>
               </a:tr>
               <a:tr h="240027">
                 <a:tc>
@@ -4156,7 +4191,7 @@
                     <a:lstStyle/>
                     <a:p>
                       <a:r>
-                        <a:rPr lang="en-GB" sz="1600" dirty="0" smtClean="0">
+                        <a:rPr lang="en-GB" sz="1600" dirty="0">
                           <a:solidFill>
                             <a:schemeClr val="bg1">
                               <a:lumMod val="95000"/>
@@ -4166,7 +4201,7 @@
                         <a:t>Unif</a:t>
                       </a:r>
                       <a:r>
-                        <a:rPr lang="en-GB" sz="1600" baseline="0" dirty="0" smtClean="0">
+                        <a:rPr lang="en-GB" sz="1600" baseline="0" dirty="0">
                           <a:solidFill>
                             <a:schemeClr val="bg1">
                               <a:lumMod val="95000"/>
@@ -4186,27 +4221,82 @@
                   </a:txBody>
                   <a:tcPr>
                     <a:solidFill>
-                      <a:srgbClr val="92D050"/>
+                      <a:srgbClr val="33CC33"/>
                     </a:solidFill>
                   </a:tcPr>
                 </a:tc>
+                <a:extLst>
+                  <a:ext uri="{0D108BD9-81ED-4DB2-BD59-A6C34878D82A}">
+                    <a16:rowId xmlns:a16="http://schemas.microsoft.com/office/drawing/2014/main" val="10002"/>
+                  </a:ext>
+                </a:extLst>
               </a:tr>
             </a:tbl>
           </a:graphicData>
         </a:graphic>
       </p:graphicFrame>
+      <p:sp>
+        <p:nvSpPr>
+          <p:cNvPr id="2" name="Rectangle: Rounded Corners 1">
+            <a:extLst>
+              <a:ext uri="{FF2B5EF4-FFF2-40B4-BE49-F238E27FC236}">
+                <a16:creationId xmlns:a16="http://schemas.microsoft.com/office/drawing/2014/main" id="{F9EB9E39-D5BB-42BD-AD18-C44DF59B6461}"/>
+              </a:ext>
+            </a:extLst>
+          </p:cNvPr>
+          <p:cNvSpPr/>
+          <p:nvPr/>
+        </p:nvSpPr>
+        <p:spPr>
+          <a:xfrm>
+            <a:off x="1198350" y="477219"/>
+            <a:ext cx="672842" cy="150315"/>
+          </a:xfrm>
+          <a:prstGeom prst="roundRect">
+            <a:avLst/>
+          </a:prstGeom>
+          <a:solidFill>
+            <a:schemeClr val="accent6"/>
+          </a:solidFill>
+          <a:ln>
+            <a:solidFill>
+              <a:schemeClr val="accent6"/>
+            </a:solidFill>
+          </a:ln>
+        </p:spPr>
+        <p:style>
+          <a:lnRef idx="2">
+            <a:schemeClr val="accent6">
+              <a:shade val="50000"/>
+            </a:schemeClr>
+          </a:lnRef>
+          <a:fillRef idx="1">
+            <a:schemeClr val="accent6"/>
+          </a:fillRef>
+          <a:effectRef idx="0">
+            <a:schemeClr val="accent6"/>
+          </a:effectRef>
+          <a:fontRef idx="minor">
+            <a:schemeClr val="lt1"/>
+          </a:fontRef>
+        </p:style>
+        <p:txBody>
+          <a:bodyPr rtlCol="0" anchor="ctr"/>
+          <a:lstStyle/>
+          <a:p>
+            <a:pPr algn="ctr"/>
+            <a:r>
+              <a:rPr lang="en-US" sz="900" b="1" dirty="0"/>
+              <a:t>Dry Etch</a:t>
+            </a:r>
+          </a:p>
+        </p:txBody>
+      </p:sp>
     </p:spTree>
   </p:cSld>
   <p:clrMapOvr>
     <a:masterClrMapping/>
   </p:clrMapOvr>
-  <p:timing>
-    <p:tnLst>
-      <p:par>
-        <p:cTn id="1" dur="indefinite" restart="never" nodeType="tmRoot"/>
-      </p:par>
-    </p:tnLst>
-  </p:timing>
 </p:sld>
 </file>
 
